--- a/npbenchmark-main/travel_thief/random_local_search.pptx
+++ b/npbenchmark-main/travel_thief/random_local_search.pptx
@@ -6,9 +6,10 @@
   </p:sldMasterIdLst>
   <p:sldIdLst>
     <p:sldId id="256" r:id="rId2"/>
-    <p:sldId id="257" r:id="rId3"/>
-    <p:sldId id="258" r:id="rId4"/>
-    <p:sldId id="259" r:id="rId5"/>
+    <p:sldId id="260" r:id="rId3"/>
+    <p:sldId id="257" r:id="rId4"/>
+    <p:sldId id="258" r:id="rId5"/>
+    <p:sldId id="259" r:id="rId6"/>
   </p:sldIdLst>
   <p:sldSz cx="12192000" cy="6858000"/>
   <p:notesSz cx="6858000" cy="9144000"/>
@@ -262,7 +263,7 @@
           <a:p>
             <a:fld id="{523209CD-2D1A-49B8-92BA-EDE5BC68F557}" type="datetimeFigureOut">
               <a:rPr lang="zh-CN" altLang="en-US" smtClean="0"/>
-              <a:t>2023/6/15</a:t>
+              <a:t>2023/6/16</a:t>
             </a:fld>
             <a:endParaRPr lang="zh-CN" altLang="en-US"/>
           </a:p>
@@ -460,7 +461,7 @@
           <a:p>
             <a:fld id="{523209CD-2D1A-49B8-92BA-EDE5BC68F557}" type="datetimeFigureOut">
               <a:rPr lang="zh-CN" altLang="en-US" smtClean="0"/>
-              <a:t>2023/6/15</a:t>
+              <a:t>2023/6/16</a:t>
             </a:fld>
             <a:endParaRPr lang="zh-CN" altLang="en-US"/>
           </a:p>
@@ -668,7 +669,7 @@
           <a:p>
             <a:fld id="{523209CD-2D1A-49B8-92BA-EDE5BC68F557}" type="datetimeFigureOut">
               <a:rPr lang="zh-CN" altLang="en-US" smtClean="0"/>
-              <a:t>2023/6/15</a:t>
+              <a:t>2023/6/16</a:t>
             </a:fld>
             <a:endParaRPr lang="zh-CN" altLang="en-US"/>
           </a:p>
@@ -866,7 +867,7 @@
           <a:p>
             <a:fld id="{523209CD-2D1A-49B8-92BA-EDE5BC68F557}" type="datetimeFigureOut">
               <a:rPr lang="zh-CN" altLang="en-US" smtClean="0"/>
-              <a:t>2023/6/15</a:t>
+              <a:t>2023/6/16</a:t>
             </a:fld>
             <a:endParaRPr lang="zh-CN" altLang="en-US"/>
           </a:p>
@@ -1141,7 +1142,7 @@
           <a:p>
             <a:fld id="{523209CD-2D1A-49B8-92BA-EDE5BC68F557}" type="datetimeFigureOut">
               <a:rPr lang="zh-CN" altLang="en-US" smtClean="0"/>
-              <a:t>2023/6/15</a:t>
+              <a:t>2023/6/16</a:t>
             </a:fld>
             <a:endParaRPr lang="zh-CN" altLang="en-US"/>
           </a:p>
@@ -1406,7 +1407,7 @@
           <a:p>
             <a:fld id="{523209CD-2D1A-49B8-92BA-EDE5BC68F557}" type="datetimeFigureOut">
               <a:rPr lang="zh-CN" altLang="en-US" smtClean="0"/>
-              <a:t>2023/6/15</a:t>
+              <a:t>2023/6/16</a:t>
             </a:fld>
             <a:endParaRPr lang="zh-CN" altLang="en-US"/>
           </a:p>
@@ -1818,7 +1819,7 @@
           <a:p>
             <a:fld id="{523209CD-2D1A-49B8-92BA-EDE5BC68F557}" type="datetimeFigureOut">
               <a:rPr lang="zh-CN" altLang="en-US" smtClean="0"/>
-              <a:t>2023/6/15</a:t>
+              <a:t>2023/6/16</a:t>
             </a:fld>
             <a:endParaRPr lang="zh-CN" altLang="en-US"/>
           </a:p>
@@ -1959,7 +1960,7 @@
           <a:p>
             <a:fld id="{523209CD-2D1A-49B8-92BA-EDE5BC68F557}" type="datetimeFigureOut">
               <a:rPr lang="zh-CN" altLang="en-US" smtClean="0"/>
-              <a:t>2023/6/15</a:t>
+              <a:t>2023/6/16</a:t>
             </a:fld>
             <a:endParaRPr lang="zh-CN" altLang="en-US"/>
           </a:p>
@@ -2072,7 +2073,7 @@
           <a:p>
             <a:fld id="{523209CD-2D1A-49B8-92BA-EDE5BC68F557}" type="datetimeFigureOut">
               <a:rPr lang="zh-CN" altLang="en-US" smtClean="0"/>
-              <a:t>2023/6/15</a:t>
+              <a:t>2023/6/16</a:t>
             </a:fld>
             <a:endParaRPr lang="zh-CN" altLang="en-US"/>
           </a:p>
@@ -2383,7 +2384,7 @@
           <a:p>
             <a:fld id="{523209CD-2D1A-49B8-92BA-EDE5BC68F557}" type="datetimeFigureOut">
               <a:rPr lang="zh-CN" altLang="en-US" smtClean="0"/>
-              <a:t>2023/6/15</a:t>
+              <a:t>2023/6/16</a:t>
             </a:fld>
             <a:endParaRPr lang="zh-CN" altLang="en-US"/>
           </a:p>
@@ -2671,7 +2672,7 @@
           <a:p>
             <a:fld id="{523209CD-2D1A-49B8-92BA-EDE5BC68F557}" type="datetimeFigureOut">
               <a:rPr lang="zh-CN" altLang="en-US" smtClean="0"/>
-              <a:t>2023/6/15</a:t>
+              <a:t>2023/6/16</a:t>
             </a:fld>
             <a:endParaRPr lang="zh-CN" altLang="en-US"/>
           </a:p>
@@ -2912,7 +2913,7 @@
           <a:p>
             <a:fld id="{523209CD-2D1A-49B8-92BA-EDE5BC68F557}" type="datetimeFigureOut">
               <a:rPr lang="zh-CN" altLang="en-US" smtClean="0"/>
-              <a:t>2023/6/15</a:t>
+              <a:t>2023/6/16</a:t>
             </a:fld>
             <a:endParaRPr lang="zh-CN" altLang="en-US"/>
           </a:p>
@@ -3418,6 +3419,99 @@
           <p:cNvPr id="2" name="标题 1">
             <a:extLst>
               <a:ext uri="{FF2B5EF4-FFF2-40B4-BE49-F238E27FC236}">
+                <a16:creationId xmlns:a16="http://schemas.microsoft.com/office/drawing/2014/main" id="{20E8CAAC-086F-4DF1-BDC6-0B377F21AA6A}"/>
+              </a:ext>
+            </a:extLst>
+          </p:cNvPr>
+          <p:cNvSpPr>
+            <a:spLocks noGrp="1"/>
+          </p:cNvSpPr>
+          <p:nvPr>
+            <p:ph type="title"/>
+          </p:nvPr>
+        </p:nvSpPr>
+        <p:spPr/>
+        <p:txBody>
+          <a:bodyPr/>
+          <a:lstStyle/>
+          <a:p>
+            <a:r>
+              <a:rPr lang="zh-CN" altLang="en-US" dirty="0"/>
+              <a:t>某个物品的边际收益</a:t>
+            </a:r>
+          </a:p>
+        </p:txBody>
+      </p:sp>
+      <p:sp>
+        <p:nvSpPr>
+          <p:cNvPr id="3" name="内容占位符 2">
+            <a:extLst>
+              <a:ext uri="{FF2B5EF4-FFF2-40B4-BE49-F238E27FC236}">
+                <a16:creationId xmlns:a16="http://schemas.microsoft.com/office/drawing/2014/main" id="{123FBA00-F195-4B1F-B6EE-DC9AD7F124C5}"/>
+              </a:ext>
+            </a:extLst>
+          </p:cNvPr>
+          <p:cNvSpPr>
+            <a:spLocks noGrp="1"/>
+          </p:cNvSpPr>
+          <p:nvPr>
+            <p:ph idx="1"/>
+          </p:nvPr>
+        </p:nvSpPr>
+        <p:spPr/>
+        <p:txBody>
+          <a:bodyPr/>
+          <a:lstStyle/>
+          <a:p>
+            <a:r>
+              <a:rPr lang="zh-CN" altLang="en-US" dirty="0"/>
+              <a:t>当把这个物品加入背包后，总收益的增量。（可以为负）</a:t>
+            </a:r>
+            <a:endParaRPr lang="en-US" altLang="zh-CN" dirty="0"/>
+          </a:p>
+          <a:p>
+            <a:r>
+              <a:rPr lang="zh-CN" altLang="en-US" dirty="0"/>
+              <a:t>当把这个物品拿出背包后，总收益的减量。（可以为负）</a:t>
+            </a:r>
+          </a:p>
+        </p:txBody>
+      </p:sp>
+    </p:spTree>
+    <p:extLst>
+      <p:ext uri="{BB962C8B-B14F-4D97-AF65-F5344CB8AC3E}">
+        <p14:creationId xmlns:p14="http://schemas.microsoft.com/office/powerpoint/2010/main" val="2561630705"/>
+      </p:ext>
+    </p:extLst>
+  </p:cSld>
+  <p:clrMapOvr>
+    <a:masterClrMapping/>
+  </p:clrMapOvr>
+</p:sld>
+</file>
+
+<file path=ppt/slides/slide3.xml><?xml version="1.0" encoding="utf-8"?>
+<p:sld xmlns:a="http://schemas.openxmlformats.org/drawingml/2006/main" xmlns:r="http://schemas.openxmlformats.org/officeDocument/2006/relationships" xmlns:p="http://schemas.openxmlformats.org/presentationml/2006/main">
+  <p:cSld>
+    <p:spTree>
+      <p:nvGrpSpPr>
+        <p:cNvPr id="1" name=""/>
+        <p:cNvGrpSpPr/>
+        <p:nvPr/>
+      </p:nvGrpSpPr>
+      <p:grpSpPr>
+        <a:xfrm>
+          <a:off x="0" y="0"/>
+          <a:ext cx="0" cy="0"/>
+          <a:chOff x="0" y="0"/>
+          <a:chExt cx="0" cy="0"/>
+        </a:xfrm>
+      </p:grpSpPr>
+      <p:sp>
+        <p:nvSpPr>
+          <p:cNvPr id="2" name="标题 1">
+            <a:extLst>
+              <a:ext uri="{FF2B5EF4-FFF2-40B4-BE49-F238E27FC236}">
                 <a16:creationId xmlns:a16="http://schemas.microsoft.com/office/drawing/2014/main" id="{0CE7268F-B366-49CA-B7FF-F2ED2F5569B0}"/>
               </a:ext>
             </a:extLst>
@@ -3550,7 +3644,7 @@
 </p:sld>
 </file>
 
-<file path=ppt/slides/slide3.xml><?xml version="1.0" encoding="utf-8"?>
+<file path=ppt/slides/slide4.xml><?xml version="1.0" encoding="utf-8"?>
 <p:sld xmlns:a="http://schemas.openxmlformats.org/drawingml/2006/main" xmlns:r="http://schemas.openxmlformats.org/officeDocument/2006/relationships" xmlns:p="http://schemas.openxmlformats.org/presentationml/2006/main">
   <p:cSld>
     <p:spTree>
@@ -3638,7 +3732,7 @@
 </p:sld>
 </file>
 
-<file path=ppt/slides/slide4.xml><?xml version="1.0" encoding="utf-8"?>
+<file path=ppt/slides/slide5.xml><?xml version="1.0" encoding="utf-8"?>
 <p:sld xmlns:a="http://schemas.openxmlformats.org/drawingml/2006/main" xmlns:r="http://schemas.openxmlformats.org/officeDocument/2006/relationships" xmlns:p="http://schemas.openxmlformats.org/presentationml/2006/main">
   <p:cSld>
     <p:spTree>
